--- a/CMS_3D_Core/仕様関連文書/HPアイコンデザイン.pptx
+++ b/CMS_3D_Core/仕様関連文書/HPアイコンデザイン.pptx
@@ -6,6 +6,7 @@
   </p:sldMasterIdLst>
   <p:sldIdLst>
     <p:sldId id="257" r:id="rId2"/>
+    <p:sldId id="258" r:id="rId3"/>
   </p:sldIdLst>
   <p:sldSz cx="12192000" cy="6858000"/>
   <p:notesSz cx="6858000" cy="9144000"/>
@@ -104,6 +105,11 @@
       </a:defRPr>
     </a:lvl9pPr>
   </p:defaultTextStyle>
+  <p:extLst>
+    <p:ext uri="{EFAFB233-063F-42B5-8137-9DF3F51BA10A}">
+      <p15:sldGuideLst xmlns:p15="http://schemas.microsoft.com/office/powerpoint/2012/main"/>
+    </p:ext>
+  </p:extLst>
 </p:presentation>
 </file>
 
@@ -254,7 +260,7 @@
           <a:p>
             <a:fld id="{DE04930A-377C-4CBE-91A8-D156A0EE0A5B}" type="datetimeFigureOut">
               <a:rPr kumimoji="1" lang="ja-JP" altLang="en-US" smtClean="0"/>
-              <a:t>2021/8/22</a:t>
+              <a:t>2021/10/31</a:t>
             </a:fld>
             <a:endParaRPr kumimoji="1" lang="ja-JP" altLang="en-US"/>
           </a:p>
@@ -484,7 +490,7 @@
           <a:p>
             <a:fld id="{DE04930A-377C-4CBE-91A8-D156A0EE0A5B}" type="datetimeFigureOut">
               <a:rPr kumimoji="1" lang="ja-JP" altLang="en-US" smtClean="0"/>
-              <a:t>2021/8/22</a:t>
+              <a:t>2021/10/31</a:t>
             </a:fld>
             <a:endParaRPr kumimoji="1" lang="ja-JP" altLang="en-US"/>
           </a:p>
@@ -724,7 +730,7 @@
           <a:p>
             <a:fld id="{DE04930A-377C-4CBE-91A8-D156A0EE0A5B}" type="datetimeFigureOut">
               <a:rPr kumimoji="1" lang="ja-JP" altLang="en-US" smtClean="0"/>
-              <a:t>2021/8/22</a:t>
+              <a:t>2021/10/31</a:t>
             </a:fld>
             <a:endParaRPr kumimoji="1" lang="ja-JP" altLang="en-US"/>
           </a:p>
@@ -954,7 +960,7 @@
           <a:p>
             <a:fld id="{DE04930A-377C-4CBE-91A8-D156A0EE0A5B}" type="datetimeFigureOut">
               <a:rPr kumimoji="1" lang="ja-JP" altLang="en-US" smtClean="0"/>
-              <a:t>2021/8/22</a:t>
+              <a:t>2021/10/31</a:t>
             </a:fld>
             <a:endParaRPr kumimoji="1" lang="ja-JP" altLang="en-US"/>
           </a:p>
@@ -1229,7 +1235,7 @@
           <a:p>
             <a:fld id="{DE04930A-377C-4CBE-91A8-D156A0EE0A5B}" type="datetimeFigureOut">
               <a:rPr kumimoji="1" lang="ja-JP" altLang="en-US" smtClean="0"/>
-              <a:t>2021/8/22</a:t>
+              <a:t>2021/10/31</a:t>
             </a:fld>
             <a:endParaRPr kumimoji="1" lang="ja-JP" altLang="en-US"/>
           </a:p>
@@ -1558,7 +1564,7 @@
           <a:p>
             <a:fld id="{DE04930A-377C-4CBE-91A8-D156A0EE0A5B}" type="datetimeFigureOut">
               <a:rPr kumimoji="1" lang="ja-JP" altLang="en-US" smtClean="0"/>
-              <a:t>2021/8/22</a:t>
+              <a:t>2021/10/31</a:t>
             </a:fld>
             <a:endParaRPr kumimoji="1" lang="ja-JP" altLang="en-US"/>
           </a:p>
@@ -2034,7 +2040,7 @@
           <a:p>
             <a:fld id="{DE04930A-377C-4CBE-91A8-D156A0EE0A5B}" type="datetimeFigureOut">
               <a:rPr kumimoji="1" lang="ja-JP" altLang="en-US" smtClean="0"/>
-              <a:t>2021/8/22</a:t>
+              <a:t>2021/10/31</a:t>
             </a:fld>
             <a:endParaRPr kumimoji="1" lang="ja-JP" altLang="en-US"/>
           </a:p>
@@ -2175,7 +2181,7 @@
           <a:p>
             <a:fld id="{DE04930A-377C-4CBE-91A8-D156A0EE0A5B}" type="datetimeFigureOut">
               <a:rPr kumimoji="1" lang="ja-JP" altLang="en-US" smtClean="0"/>
-              <a:t>2021/8/22</a:t>
+              <a:t>2021/10/31</a:t>
             </a:fld>
             <a:endParaRPr kumimoji="1" lang="ja-JP" altLang="en-US"/>
           </a:p>
@@ -2288,7 +2294,7 @@
           <a:p>
             <a:fld id="{DE04930A-377C-4CBE-91A8-D156A0EE0A5B}" type="datetimeFigureOut">
               <a:rPr kumimoji="1" lang="ja-JP" altLang="en-US" smtClean="0"/>
-              <a:t>2021/8/22</a:t>
+              <a:t>2021/10/31</a:t>
             </a:fld>
             <a:endParaRPr kumimoji="1" lang="ja-JP" altLang="en-US"/>
           </a:p>
@@ -2631,7 +2637,7 @@
           <a:p>
             <a:fld id="{DE04930A-377C-4CBE-91A8-D156A0EE0A5B}" type="datetimeFigureOut">
               <a:rPr kumimoji="1" lang="ja-JP" altLang="en-US" smtClean="0"/>
-              <a:t>2021/8/22</a:t>
+              <a:t>2021/10/31</a:t>
             </a:fld>
             <a:endParaRPr kumimoji="1" lang="ja-JP" altLang="en-US"/>
           </a:p>
@@ -2919,7 +2925,7 @@
           <a:p>
             <a:fld id="{DE04930A-377C-4CBE-91A8-D156A0EE0A5B}" type="datetimeFigureOut">
               <a:rPr kumimoji="1" lang="ja-JP" altLang="en-US" smtClean="0"/>
-              <a:t>2021/8/22</a:t>
+              <a:t>2021/10/31</a:t>
             </a:fld>
             <a:endParaRPr kumimoji="1" lang="ja-JP" altLang="en-US"/>
           </a:p>
@@ -3192,7 +3198,7 @@
           <a:p>
             <a:fld id="{DE04930A-377C-4CBE-91A8-D156A0EE0A5B}" type="datetimeFigureOut">
               <a:rPr kumimoji="1" lang="ja-JP" altLang="en-US" smtClean="0"/>
-              <a:t>2021/8/22</a:t>
+              <a:t>2021/10/31</a:t>
             </a:fld>
             <a:endParaRPr kumimoji="1" lang="ja-JP" altLang="en-US"/>
           </a:p>
@@ -4958,6 +4964,1324 @@
 </p:sld>
 </file>
 
+<file path=ppt/slides/slide2.xml><?xml version="1.0" encoding="utf-8"?>
+<p:sld xmlns:a="http://schemas.openxmlformats.org/drawingml/2006/main" xmlns:r="http://schemas.openxmlformats.org/officeDocument/2006/relationships" xmlns:p="http://schemas.openxmlformats.org/presentationml/2006/main">
+  <p:cSld>
+    <p:spTree>
+      <p:nvGrpSpPr>
+        <p:cNvPr id="1" name=""/>
+        <p:cNvGrpSpPr/>
+        <p:nvPr/>
+      </p:nvGrpSpPr>
+      <p:grpSpPr>
+        <a:xfrm>
+          <a:off x="0" y="0"/>
+          <a:ext cx="0" cy="0"/>
+          <a:chOff x="0" y="0"/>
+          <a:chExt cx="0" cy="0"/>
+        </a:xfrm>
+      </p:grpSpPr>
+      <p:grpSp>
+        <p:nvGrpSpPr>
+          <p:cNvPr id="4" name="グループ化 3">
+            <a:extLst>
+              <a:ext uri="{FF2B5EF4-FFF2-40B4-BE49-F238E27FC236}">
+                <a16:creationId xmlns:a16="http://schemas.microsoft.com/office/drawing/2014/main" id="{02E14B2F-B35C-4AFA-9E13-419F1862DA00}"/>
+              </a:ext>
+            </a:extLst>
+          </p:cNvPr>
+          <p:cNvGrpSpPr/>
+          <p:nvPr/>
+        </p:nvGrpSpPr>
+        <p:grpSpPr>
+          <a:xfrm>
+            <a:off x="1405450" y="1229320"/>
+            <a:ext cx="2348007" cy="1632864"/>
+            <a:chOff x="1405450" y="1229320"/>
+            <a:chExt cx="2348007" cy="1632864"/>
+          </a:xfrm>
+        </p:grpSpPr>
+        <p:grpSp>
+          <p:nvGrpSpPr>
+            <p:cNvPr id="5" name="グループ化 4">
+              <a:extLst>
+                <a:ext uri="{FF2B5EF4-FFF2-40B4-BE49-F238E27FC236}">
+                  <a16:creationId xmlns:a16="http://schemas.microsoft.com/office/drawing/2014/main" id="{B2A54EB4-65A7-49FB-B3E1-51011C4419AE}"/>
+                </a:ext>
+              </a:extLst>
+            </p:cNvPr>
+            <p:cNvGrpSpPr/>
+            <p:nvPr/>
+          </p:nvGrpSpPr>
+          <p:grpSpPr>
+            <a:xfrm>
+              <a:off x="2122254" y="1229320"/>
+              <a:ext cx="914400" cy="1632864"/>
+              <a:chOff x="2122253" y="1229320"/>
+              <a:chExt cx="914400" cy="1632864"/>
+            </a:xfrm>
+          </p:grpSpPr>
+          <p:sp>
+            <p:nvSpPr>
+              <p:cNvPr id="28" name="部分円 27">
+                <a:extLst>
+                  <a:ext uri="{FF2B5EF4-FFF2-40B4-BE49-F238E27FC236}">
+                    <a16:creationId xmlns:a16="http://schemas.microsoft.com/office/drawing/2014/main" id="{F8F824D4-8EDB-4F87-AD50-E9FB9C468EBD}"/>
+                  </a:ext>
+                </a:extLst>
+              </p:cNvPr>
+              <p:cNvSpPr/>
+              <p:nvPr/>
+            </p:nvSpPr>
+            <p:spPr>
+              <a:xfrm rot="16200000">
+                <a:off x="2477853" y="2560559"/>
+                <a:ext cx="203200" cy="234950"/>
+              </a:xfrm>
+              <a:prstGeom prst="pie">
+                <a:avLst>
+                  <a:gd name="adj1" fmla="val 5340508"/>
+                  <a:gd name="adj2" fmla="val 16200000"/>
+                </a:avLst>
+              </a:prstGeom>
+              <a:solidFill>
+                <a:schemeClr val="tx1"/>
+              </a:solidFill>
+              <a:ln>
+                <a:noFill/>
+              </a:ln>
+            </p:spPr>
+            <p:style>
+              <a:lnRef idx="2">
+                <a:schemeClr val="accent1">
+                  <a:shade val="50000"/>
+                </a:schemeClr>
+              </a:lnRef>
+              <a:fillRef idx="1">
+                <a:schemeClr val="accent1"/>
+              </a:fillRef>
+              <a:effectRef idx="0">
+                <a:schemeClr val="accent1"/>
+              </a:effectRef>
+              <a:fontRef idx="minor">
+                <a:schemeClr val="lt1"/>
+              </a:fontRef>
+            </p:style>
+            <p:txBody>
+              <a:bodyPr rtlCol="0" anchor="ctr"/>
+              <a:lstStyle/>
+              <a:p>
+                <a:pPr algn="ctr"/>
+                <a:endParaRPr kumimoji="1" lang="ja-JP" altLang="en-US">
+                  <a:solidFill>
+                    <a:schemeClr val="tx1"/>
+                  </a:solidFill>
+                </a:endParaRPr>
+              </a:p>
+            </p:txBody>
+          </p:sp>
+          <p:sp>
+            <p:nvSpPr>
+              <p:cNvPr id="29" name="四角形: 角を丸くする 28">
+                <a:extLst>
+                  <a:ext uri="{FF2B5EF4-FFF2-40B4-BE49-F238E27FC236}">
+                    <a16:creationId xmlns:a16="http://schemas.microsoft.com/office/drawing/2014/main" id="{641D7D62-1960-4F74-A4C5-1DF6AE9B53DD}"/>
+                  </a:ext>
+                </a:extLst>
+              </p:cNvPr>
+              <p:cNvSpPr/>
+              <p:nvPr/>
+            </p:nvSpPr>
+            <p:spPr>
+              <a:xfrm>
+                <a:off x="2356760" y="1731347"/>
+                <a:ext cx="445386" cy="597159"/>
+              </a:xfrm>
+              <a:prstGeom prst="roundRect">
+                <a:avLst/>
+              </a:prstGeom>
+              <a:solidFill>
+                <a:schemeClr val="tx1"/>
+              </a:solidFill>
+              <a:ln>
+                <a:noFill/>
+              </a:ln>
+            </p:spPr>
+            <p:style>
+              <a:lnRef idx="2">
+                <a:schemeClr val="accent1">
+                  <a:shade val="50000"/>
+                </a:schemeClr>
+              </a:lnRef>
+              <a:fillRef idx="1">
+                <a:schemeClr val="accent1"/>
+              </a:fillRef>
+              <a:effectRef idx="0">
+                <a:schemeClr val="accent1"/>
+              </a:effectRef>
+              <a:fontRef idx="minor">
+                <a:schemeClr val="lt1"/>
+              </a:fontRef>
+            </p:style>
+            <p:txBody>
+              <a:bodyPr rtlCol="0" anchor="ctr"/>
+              <a:lstStyle/>
+              <a:p>
+                <a:pPr algn="ctr"/>
+                <a:endParaRPr kumimoji="1" lang="ja-JP" altLang="en-US"/>
+              </a:p>
+            </p:txBody>
+          </p:sp>
+          <p:sp>
+            <p:nvSpPr>
+              <p:cNvPr id="30" name="部分円 29">
+                <a:extLst>
+                  <a:ext uri="{FF2B5EF4-FFF2-40B4-BE49-F238E27FC236}">
+                    <a16:creationId xmlns:a16="http://schemas.microsoft.com/office/drawing/2014/main" id="{82609624-90FB-47E2-93B1-A2E8F453EFCB}"/>
+                  </a:ext>
+                </a:extLst>
+              </p:cNvPr>
+              <p:cNvSpPr/>
+              <p:nvPr/>
+            </p:nvSpPr>
+            <p:spPr>
+              <a:xfrm rot="5400000">
+                <a:off x="2354028" y="2179559"/>
+                <a:ext cx="450850" cy="914400"/>
+              </a:xfrm>
+              <a:prstGeom prst="pie">
+                <a:avLst>
+                  <a:gd name="adj1" fmla="val 5340508"/>
+                  <a:gd name="adj2" fmla="val 16200000"/>
+                </a:avLst>
+              </a:prstGeom>
+              <a:solidFill>
+                <a:schemeClr val="tx1"/>
+              </a:solidFill>
+              <a:ln>
+                <a:noFill/>
+              </a:ln>
+            </p:spPr>
+            <p:style>
+              <a:lnRef idx="2">
+                <a:schemeClr val="accent1">
+                  <a:shade val="50000"/>
+                </a:schemeClr>
+              </a:lnRef>
+              <a:fillRef idx="1">
+                <a:schemeClr val="accent1"/>
+              </a:fillRef>
+              <a:effectRef idx="0">
+                <a:schemeClr val="accent1"/>
+              </a:effectRef>
+              <a:fontRef idx="minor">
+                <a:schemeClr val="lt1"/>
+              </a:fontRef>
+            </p:style>
+            <p:txBody>
+              <a:bodyPr rtlCol="0" anchor="ctr"/>
+              <a:lstStyle/>
+              <a:p>
+                <a:pPr algn="ctr"/>
+                <a:endParaRPr kumimoji="1" lang="ja-JP" altLang="en-US">
+                  <a:solidFill>
+                    <a:schemeClr val="tx1"/>
+                  </a:solidFill>
+                </a:endParaRPr>
+              </a:p>
+            </p:txBody>
+          </p:sp>
+          <p:sp>
+            <p:nvSpPr>
+              <p:cNvPr id="31" name="部分円 30">
+                <a:extLst>
+                  <a:ext uri="{FF2B5EF4-FFF2-40B4-BE49-F238E27FC236}">
+                    <a16:creationId xmlns:a16="http://schemas.microsoft.com/office/drawing/2014/main" id="{91C124B7-AC36-4975-B0E8-B79E4E3D71F7}"/>
+                  </a:ext>
+                </a:extLst>
+              </p:cNvPr>
+              <p:cNvSpPr/>
+              <p:nvPr/>
+            </p:nvSpPr>
+            <p:spPr>
+              <a:xfrm rot="16200000">
+                <a:off x="2354028" y="997545"/>
+                <a:ext cx="450850" cy="914400"/>
+              </a:xfrm>
+              <a:prstGeom prst="pie">
+                <a:avLst>
+                  <a:gd name="adj1" fmla="val 5340508"/>
+                  <a:gd name="adj2" fmla="val 16200000"/>
+                </a:avLst>
+              </a:prstGeom>
+              <a:solidFill>
+                <a:schemeClr val="tx1"/>
+              </a:solidFill>
+              <a:ln>
+                <a:noFill/>
+              </a:ln>
+            </p:spPr>
+            <p:style>
+              <a:lnRef idx="2">
+                <a:schemeClr val="accent1">
+                  <a:shade val="50000"/>
+                </a:schemeClr>
+              </a:lnRef>
+              <a:fillRef idx="1">
+                <a:schemeClr val="accent1"/>
+              </a:fillRef>
+              <a:effectRef idx="0">
+                <a:schemeClr val="accent1"/>
+              </a:effectRef>
+              <a:fontRef idx="minor">
+                <a:schemeClr val="lt1"/>
+              </a:fontRef>
+            </p:style>
+            <p:txBody>
+              <a:bodyPr rtlCol="0" anchor="ctr"/>
+              <a:lstStyle/>
+              <a:p>
+                <a:pPr algn="ctr"/>
+                <a:endParaRPr kumimoji="1" lang="ja-JP" altLang="en-US">
+                  <a:solidFill>
+                    <a:schemeClr val="tx1"/>
+                  </a:solidFill>
+                </a:endParaRPr>
+              </a:p>
+            </p:txBody>
+          </p:sp>
+          <p:sp>
+            <p:nvSpPr>
+              <p:cNvPr id="32" name="部分円 31">
+                <a:extLst>
+                  <a:ext uri="{FF2B5EF4-FFF2-40B4-BE49-F238E27FC236}">
+                    <a16:creationId xmlns:a16="http://schemas.microsoft.com/office/drawing/2014/main" id="{5A4D001C-4E5D-4C26-AC7E-241ED8FC5741}"/>
+                  </a:ext>
+                </a:extLst>
+              </p:cNvPr>
+              <p:cNvSpPr/>
+              <p:nvPr/>
+            </p:nvSpPr>
+            <p:spPr>
+              <a:xfrm rot="5400000">
+                <a:off x="2477853" y="1295995"/>
+                <a:ext cx="203200" cy="234950"/>
+              </a:xfrm>
+              <a:prstGeom prst="pie">
+                <a:avLst>
+                  <a:gd name="adj1" fmla="val 5340508"/>
+                  <a:gd name="adj2" fmla="val 16200000"/>
+                </a:avLst>
+              </a:prstGeom>
+              <a:solidFill>
+                <a:schemeClr val="tx1"/>
+              </a:solidFill>
+              <a:ln>
+                <a:noFill/>
+              </a:ln>
+            </p:spPr>
+            <p:style>
+              <a:lnRef idx="2">
+                <a:schemeClr val="accent1">
+                  <a:shade val="50000"/>
+                </a:schemeClr>
+              </a:lnRef>
+              <a:fillRef idx="1">
+                <a:schemeClr val="accent1"/>
+              </a:fillRef>
+              <a:effectRef idx="0">
+                <a:schemeClr val="accent1"/>
+              </a:effectRef>
+              <a:fontRef idx="minor">
+                <a:schemeClr val="lt1"/>
+              </a:fontRef>
+            </p:style>
+            <p:txBody>
+              <a:bodyPr rtlCol="0" anchor="ctr"/>
+              <a:lstStyle/>
+              <a:p>
+                <a:pPr algn="ctr"/>
+                <a:endParaRPr kumimoji="1" lang="ja-JP" altLang="en-US">
+                  <a:solidFill>
+                    <a:schemeClr val="tx1"/>
+                  </a:solidFill>
+                </a:endParaRPr>
+              </a:p>
+            </p:txBody>
+          </p:sp>
+        </p:grpSp>
+        <p:grpSp>
+          <p:nvGrpSpPr>
+            <p:cNvPr id="6" name="グループ化 5">
+              <a:extLst>
+                <a:ext uri="{FF2B5EF4-FFF2-40B4-BE49-F238E27FC236}">
+                  <a16:creationId xmlns:a16="http://schemas.microsoft.com/office/drawing/2014/main" id="{AD49F304-E8F9-4C4C-A27B-5D9D22278C86}"/>
+                </a:ext>
+              </a:extLst>
+            </p:cNvPr>
+            <p:cNvGrpSpPr/>
+            <p:nvPr/>
+          </p:nvGrpSpPr>
+          <p:grpSpPr>
+            <a:xfrm>
+              <a:off x="2867535" y="1824653"/>
+              <a:ext cx="885922" cy="367625"/>
+              <a:chOff x="2867535" y="1824653"/>
+              <a:chExt cx="885922" cy="367625"/>
+            </a:xfrm>
+          </p:grpSpPr>
+          <p:grpSp>
+            <p:nvGrpSpPr>
+              <p:cNvPr id="18" name="グループ化 17">
+                <a:extLst>
+                  <a:ext uri="{FF2B5EF4-FFF2-40B4-BE49-F238E27FC236}">
+                    <a16:creationId xmlns:a16="http://schemas.microsoft.com/office/drawing/2014/main" id="{9D5C9D46-6F44-4C0A-838E-D54C38B2DED7}"/>
+                  </a:ext>
+                </a:extLst>
+              </p:cNvPr>
+              <p:cNvGrpSpPr/>
+              <p:nvPr/>
+            </p:nvGrpSpPr>
+            <p:grpSpPr>
+              <a:xfrm>
+                <a:off x="2867535" y="1824653"/>
+                <a:ext cx="885922" cy="173688"/>
+                <a:chOff x="2867535" y="1824653"/>
+                <a:chExt cx="885922" cy="173688"/>
+              </a:xfrm>
+            </p:grpSpPr>
+            <p:sp>
+              <p:nvSpPr>
+                <p:cNvPr id="24" name="正方形/長方形 23">
+                  <a:extLst>
+                    <a:ext uri="{FF2B5EF4-FFF2-40B4-BE49-F238E27FC236}">
+                      <a16:creationId xmlns:a16="http://schemas.microsoft.com/office/drawing/2014/main" id="{11F1A8DA-B929-47E0-8A30-997CC5579A60}"/>
+                    </a:ext>
+                  </a:extLst>
+                </p:cNvPr>
+                <p:cNvSpPr/>
+                <p:nvPr/>
+              </p:nvSpPr>
+              <p:spPr>
+                <a:xfrm>
+                  <a:off x="2867535" y="1824653"/>
+                  <a:ext cx="198000" cy="173688"/>
+                </a:xfrm>
+                <a:prstGeom prst="rect">
+                  <a:avLst/>
+                </a:prstGeom>
+                <a:solidFill>
+                  <a:schemeClr val="tx1"/>
+                </a:solidFill>
+                <a:ln>
+                  <a:noFill/>
+                </a:ln>
+              </p:spPr>
+              <p:style>
+                <a:lnRef idx="2">
+                  <a:schemeClr val="accent1">
+                    <a:shade val="50000"/>
+                  </a:schemeClr>
+                </a:lnRef>
+                <a:fillRef idx="1">
+                  <a:schemeClr val="accent1"/>
+                </a:fillRef>
+                <a:effectRef idx="0">
+                  <a:schemeClr val="accent1"/>
+                </a:effectRef>
+                <a:fontRef idx="minor">
+                  <a:schemeClr val="lt1"/>
+                </a:fontRef>
+              </p:style>
+              <p:txBody>
+                <a:bodyPr rtlCol="0" anchor="ctr"/>
+                <a:lstStyle/>
+                <a:p>
+                  <a:pPr algn="ctr"/>
+                  <a:endParaRPr kumimoji="1" lang="ja-JP" altLang="en-US"/>
+                </a:p>
+              </p:txBody>
+            </p:sp>
+            <p:sp>
+              <p:nvSpPr>
+                <p:cNvPr id="25" name="正方形/長方形 24">
+                  <a:extLst>
+                    <a:ext uri="{FF2B5EF4-FFF2-40B4-BE49-F238E27FC236}">
+                      <a16:creationId xmlns:a16="http://schemas.microsoft.com/office/drawing/2014/main" id="{F9745E6B-37C4-4BE9-B699-E305EDB873F2}"/>
+                    </a:ext>
+                  </a:extLst>
+                </p:cNvPr>
+                <p:cNvSpPr/>
+                <p:nvPr/>
+              </p:nvSpPr>
+              <p:spPr>
+                <a:xfrm>
+                  <a:off x="3096842" y="1824653"/>
+                  <a:ext cx="198000" cy="173688"/>
+                </a:xfrm>
+                <a:prstGeom prst="rect">
+                  <a:avLst/>
+                </a:prstGeom>
+                <a:solidFill>
+                  <a:schemeClr val="tx1"/>
+                </a:solidFill>
+                <a:ln>
+                  <a:noFill/>
+                </a:ln>
+              </p:spPr>
+              <p:style>
+                <a:lnRef idx="2">
+                  <a:schemeClr val="accent1">
+                    <a:shade val="50000"/>
+                  </a:schemeClr>
+                </a:lnRef>
+                <a:fillRef idx="1">
+                  <a:schemeClr val="accent1"/>
+                </a:fillRef>
+                <a:effectRef idx="0">
+                  <a:schemeClr val="accent1"/>
+                </a:effectRef>
+                <a:fontRef idx="minor">
+                  <a:schemeClr val="lt1"/>
+                </a:fontRef>
+              </p:style>
+              <p:txBody>
+                <a:bodyPr rtlCol="0" anchor="ctr"/>
+                <a:lstStyle/>
+                <a:p>
+                  <a:pPr algn="ctr"/>
+                  <a:endParaRPr kumimoji="1" lang="ja-JP" altLang="en-US"/>
+                </a:p>
+              </p:txBody>
+            </p:sp>
+            <p:sp>
+              <p:nvSpPr>
+                <p:cNvPr id="26" name="正方形/長方形 25">
+                  <a:extLst>
+                    <a:ext uri="{FF2B5EF4-FFF2-40B4-BE49-F238E27FC236}">
+                      <a16:creationId xmlns:a16="http://schemas.microsoft.com/office/drawing/2014/main" id="{C54EC6F2-0E4F-4F17-9C56-D9BC746A10AD}"/>
+                    </a:ext>
+                  </a:extLst>
+                </p:cNvPr>
+                <p:cNvSpPr/>
+                <p:nvPr/>
+              </p:nvSpPr>
+              <p:spPr>
+                <a:xfrm>
+                  <a:off x="3326149" y="1824653"/>
+                  <a:ext cx="198000" cy="173688"/>
+                </a:xfrm>
+                <a:prstGeom prst="rect">
+                  <a:avLst/>
+                </a:prstGeom>
+                <a:solidFill>
+                  <a:schemeClr val="tx1"/>
+                </a:solidFill>
+                <a:ln>
+                  <a:noFill/>
+                </a:ln>
+              </p:spPr>
+              <p:style>
+                <a:lnRef idx="2">
+                  <a:schemeClr val="accent1">
+                    <a:shade val="50000"/>
+                  </a:schemeClr>
+                </a:lnRef>
+                <a:fillRef idx="1">
+                  <a:schemeClr val="accent1"/>
+                </a:fillRef>
+                <a:effectRef idx="0">
+                  <a:schemeClr val="accent1"/>
+                </a:effectRef>
+                <a:fontRef idx="minor">
+                  <a:schemeClr val="lt1"/>
+                </a:fontRef>
+              </p:style>
+              <p:txBody>
+                <a:bodyPr rtlCol="0" anchor="ctr"/>
+                <a:lstStyle/>
+                <a:p>
+                  <a:pPr algn="ctr"/>
+                  <a:endParaRPr kumimoji="1" lang="ja-JP" altLang="en-US"/>
+                </a:p>
+              </p:txBody>
+            </p:sp>
+            <p:sp>
+              <p:nvSpPr>
+                <p:cNvPr id="27" name="正方形/長方形 26">
+                  <a:extLst>
+                    <a:ext uri="{FF2B5EF4-FFF2-40B4-BE49-F238E27FC236}">
+                      <a16:creationId xmlns:a16="http://schemas.microsoft.com/office/drawing/2014/main" id="{EAA94EA2-5948-4122-A220-9229E7B2B277}"/>
+                    </a:ext>
+                  </a:extLst>
+                </p:cNvPr>
+                <p:cNvSpPr/>
+                <p:nvPr/>
+              </p:nvSpPr>
+              <p:spPr>
+                <a:xfrm>
+                  <a:off x="3555457" y="1824653"/>
+                  <a:ext cx="198000" cy="173688"/>
+                </a:xfrm>
+                <a:prstGeom prst="rect">
+                  <a:avLst/>
+                </a:prstGeom>
+                <a:solidFill>
+                  <a:schemeClr val="tx1"/>
+                </a:solidFill>
+                <a:ln>
+                  <a:noFill/>
+                </a:ln>
+              </p:spPr>
+              <p:style>
+                <a:lnRef idx="2">
+                  <a:schemeClr val="accent1">
+                    <a:shade val="50000"/>
+                  </a:schemeClr>
+                </a:lnRef>
+                <a:fillRef idx="1">
+                  <a:schemeClr val="accent1"/>
+                </a:fillRef>
+                <a:effectRef idx="0">
+                  <a:schemeClr val="accent1"/>
+                </a:effectRef>
+                <a:fontRef idx="minor">
+                  <a:schemeClr val="lt1"/>
+                </a:fontRef>
+              </p:style>
+              <p:txBody>
+                <a:bodyPr rtlCol="0" anchor="ctr"/>
+                <a:lstStyle/>
+                <a:p>
+                  <a:pPr algn="ctr"/>
+                  <a:endParaRPr kumimoji="1" lang="ja-JP" altLang="en-US"/>
+                </a:p>
+              </p:txBody>
+            </p:sp>
+          </p:grpSp>
+          <p:grpSp>
+            <p:nvGrpSpPr>
+              <p:cNvPr id="19" name="グループ化 18">
+                <a:extLst>
+                  <a:ext uri="{FF2B5EF4-FFF2-40B4-BE49-F238E27FC236}">
+                    <a16:creationId xmlns:a16="http://schemas.microsoft.com/office/drawing/2014/main" id="{92B38EF7-0A12-4BA3-BB35-D711191621C3}"/>
+                  </a:ext>
+                </a:extLst>
+              </p:cNvPr>
+              <p:cNvGrpSpPr/>
+              <p:nvPr/>
+            </p:nvGrpSpPr>
+            <p:grpSpPr>
+              <a:xfrm>
+                <a:off x="2867535" y="2018590"/>
+                <a:ext cx="885922" cy="173688"/>
+                <a:chOff x="2867535" y="1824653"/>
+                <a:chExt cx="885922" cy="173688"/>
+              </a:xfrm>
+            </p:grpSpPr>
+            <p:sp>
+              <p:nvSpPr>
+                <p:cNvPr id="20" name="正方形/長方形 19">
+                  <a:extLst>
+                    <a:ext uri="{FF2B5EF4-FFF2-40B4-BE49-F238E27FC236}">
+                      <a16:creationId xmlns:a16="http://schemas.microsoft.com/office/drawing/2014/main" id="{391369A6-9C9B-4884-898A-AF93356C13AC}"/>
+                    </a:ext>
+                  </a:extLst>
+                </p:cNvPr>
+                <p:cNvSpPr/>
+                <p:nvPr/>
+              </p:nvSpPr>
+              <p:spPr>
+                <a:xfrm>
+                  <a:off x="2867535" y="1824653"/>
+                  <a:ext cx="198000" cy="173688"/>
+                </a:xfrm>
+                <a:prstGeom prst="rect">
+                  <a:avLst/>
+                </a:prstGeom>
+                <a:solidFill>
+                  <a:schemeClr val="tx1"/>
+                </a:solidFill>
+                <a:ln>
+                  <a:noFill/>
+                </a:ln>
+              </p:spPr>
+              <p:style>
+                <a:lnRef idx="2">
+                  <a:schemeClr val="accent1">
+                    <a:shade val="50000"/>
+                  </a:schemeClr>
+                </a:lnRef>
+                <a:fillRef idx="1">
+                  <a:schemeClr val="accent1"/>
+                </a:fillRef>
+                <a:effectRef idx="0">
+                  <a:schemeClr val="accent1"/>
+                </a:effectRef>
+                <a:fontRef idx="minor">
+                  <a:schemeClr val="lt1"/>
+                </a:fontRef>
+              </p:style>
+              <p:txBody>
+                <a:bodyPr rtlCol="0" anchor="ctr"/>
+                <a:lstStyle/>
+                <a:p>
+                  <a:pPr algn="ctr"/>
+                  <a:endParaRPr kumimoji="1" lang="ja-JP" altLang="en-US"/>
+                </a:p>
+              </p:txBody>
+            </p:sp>
+            <p:sp>
+              <p:nvSpPr>
+                <p:cNvPr id="21" name="正方形/長方形 20">
+                  <a:extLst>
+                    <a:ext uri="{FF2B5EF4-FFF2-40B4-BE49-F238E27FC236}">
+                      <a16:creationId xmlns:a16="http://schemas.microsoft.com/office/drawing/2014/main" id="{74CEE200-9065-4B35-8399-D9851641F7F3}"/>
+                    </a:ext>
+                  </a:extLst>
+                </p:cNvPr>
+                <p:cNvSpPr/>
+                <p:nvPr/>
+              </p:nvSpPr>
+              <p:spPr>
+                <a:xfrm>
+                  <a:off x="3096842" y="1824653"/>
+                  <a:ext cx="198000" cy="173688"/>
+                </a:xfrm>
+                <a:prstGeom prst="rect">
+                  <a:avLst/>
+                </a:prstGeom>
+                <a:solidFill>
+                  <a:schemeClr val="tx1"/>
+                </a:solidFill>
+                <a:ln>
+                  <a:noFill/>
+                </a:ln>
+              </p:spPr>
+              <p:style>
+                <a:lnRef idx="2">
+                  <a:schemeClr val="accent1">
+                    <a:shade val="50000"/>
+                  </a:schemeClr>
+                </a:lnRef>
+                <a:fillRef idx="1">
+                  <a:schemeClr val="accent1"/>
+                </a:fillRef>
+                <a:effectRef idx="0">
+                  <a:schemeClr val="accent1"/>
+                </a:effectRef>
+                <a:fontRef idx="minor">
+                  <a:schemeClr val="lt1"/>
+                </a:fontRef>
+              </p:style>
+              <p:txBody>
+                <a:bodyPr rtlCol="0" anchor="ctr"/>
+                <a:lstStyle/>
+                <a:p>
+                  <a:pPr algn="ctr"/>
+                  <a:endParaRPr kumimoji="1" lang="ja-JP" altLang="en-US"/>
+                </a:p>
+              </p:txBody>
+            </p:sp>
+            <p:sp>
+              <p:nvSpPr>
+                <p:cNvPr id="22" name="正方形/長方形 21">
+                  <a:extLst>
+                    <a:ext uri="{FF2B5EF4-FFF2-40B4-BE49-F238E27FC236}">
+                      <a16:creationId xmlns:a16="http://schemas.microsoft.com/office/drawing/2014/main" id="{1DACF7B9-DD9B-424F-9984-FF7A53FE18D8}"/>
+                    </a:ext>
+                  </a:extLst>
+                </p:cNvPr>
+                <p:cNvSpPr/>
+                <p:nvPr/>
+              </p:nvSpPr>
+              <p:spPr>
+                <a:xfrm>
+                  <a:off x="3326149" y="1824653"/>
+                  <a:ext cx="198000" cy="173688"/>
+                </a:xfrm>
+                <a:prstGeom prst="rect">
+                  <a:avLst/>
+                </a:prstGeom>
+                <a:solidFill>
+                  <a:schemeClr val="tx1"/>
+                </a:solidFill>
+                <a:ln>
+                  <a:noFill/>
+                </a:ln>
+              </p:spPr>
+              <p:style>
+                <a:lnRef idx="2">
+                  <a:schemeClr val="accent1">
+                    <a:shade val="50000"/>
+                  </a:schemeClr>
+                </a:lnRef>
+                <a:fillRef idx="1">
+                  <a:schemeClr val="accent1"/>
+                </a:fillRef>
+                <a:effectRef idx="0">
+                  <a:schemeClr val="accent1"/>
+                </a:effectRef>
+                <a:fontRef idx="minor">
+                  <a:schemeClr val="lt1"/>
+                </a:fontRef>
+              </p:style>
+              <p:txBody>
+                <a:bodyPr rtlCol="0" anchor="ctr"/>
+                <a:lstStyle/>
+                <a:p>
+                  <a:pPr algn="ctr"/>
+                  <a:endParaRPr kumimoji="1" lang="ja-JP" altLang="en-US"/>
+                </a:p>
+              </p:txBody>
+            </p:sp>
+            <p:sp>
+              <p:nvSpPr>
+                <p:cNvPr id="23" name="正方形/長方形 22">
+                  <a:extLst>
+                    <a:ext uri="{FF2B5EF4-FFF2-40B4-BE49-F238E27FC236}">
+                      <a16:creationId xmlns:a16="http://schemas.microsoft.com/office/drawing/2014/main" id="{8843CF8F-0462-4084-A2DF-5DD2E0BDEC99}"/>
+                    </a:ext>
+                  </a:extLst>
+                </p:cNvPr>
+                <p:cNvSpPr/>
+                <p:nvPr/>
+              </p:nvSpPr>
+              <p:spPr>
+                <a:xfrm>
+                  <a:off x="3555457" y="1824653"/>
+                  <a:ext cx="198000" cy="173688"/>
+                </a:xfrm>
+                <a:prstGeom prst="rect">
+                  <a:avLst/>
+                </a:prstGeom>
+                <a:solidFill>
+                  <a:schemeClr val="tx1"/>
+                </a:solidFill>
+                <a:ln>
+                  <a:noFill/>
+                </a:ln>
+              </p:spPr>
+              <p:style>
+                <a:lnRef idx="2">
+                  <a:schemeClr val="accent1">
+                    <a:shade val="50000"/>
+                  </a:schemeClr>
+                </a:lnRef>
+                <a:fillRef idx="1">
+                  <a:schemeClr val="accent1"/>
+                </a:fillRef>
+                <a:effectRef idx="0">
+                  <a:schemeClr val="accent1"/>
+                </a:effectRef>
+                <a:fontRef idx="minor">
+                  <a:schemeClr val="lt1"/>
+                </a:fontRef>
+              </p:style>
+              <p:txBody>
+                <a:bodyPr rtlCol="0" anchor="ctr"/>
+                <a:lstStyle/>
+                <a:p>
+                  <a:pPr algn="ctr"/>
+                  <a:endParaRPr kumimoji="1" lang="ja-JP" altLang="en-US"/>
+                </a:p>
+              </p:txBody>
+            </p:sp>
+          </p:grpSp>
+        </p:grpSp>
+        <p:grpSp>
+          <p:nvGrpSpPr>
+            <p:cNvPr id="7" name="グループ化 6">
+              <a:extLst>
+                <a:ext uri="{FF2B5EF4-FFF2-40B4-BE49-F238E27FC236}">
+                  <a16:creationId xmlns:a16="http://schemas.microsoft.com/office/drawing/2014/main" id="{92840351-3121-49A3-B710-205A8A3FA0F7}"/>
+                </a:ext>
+              </a:extLst>
+            </p:cNvPr>
+            <p:cNvGrpSpPr/>
+            <p:nvPr/>
+          </p:nvGrpSpPr>
+          <p:grpSpPr>
+            <a:xfrm>
+              <a:off x="1405450" y="1824653"/>
+              <a:ext cx="885922" cy="367625"/>
+              <a:chOff x="2867535" y="1824653"/>
+              <a:chExt cx="885922" cy="367625"/>
+            </a:xfrm>
+          </p:grpSpPr>
+          <p:grpSp>
+            <p:nvGrpSpPr>
+              <p:cNvPr id="8" name="グループ化 7">
+                <a:extLst>
+                  <a:ext uri="{FF2B5EF4-FFF2-40B4-BE49-F238E27FC236}">
+                    <a16:creationId xmlns:a16="http://schemas.microsoft.com/office/drawing/2014/main" id="{C068FB28-6F15-4C49-BB51-04565E85A491}"/>
+                  </a:ext>
+                </a:extLst>
+              </p:cNvPr>
+              <p:cNvGrpSpPr/>
+              <p:nvPr/>
+            </p:nvGrpSpPr>
+            <p:grpSpPr>
+              <a:xfrm>
+                <a:off x="2867535" y="1824653"/>
+                <a:ext cx="885922" cy="173688"/>
+                <a:chOff x="2867535" y="1824653"/>
+                <a:chExt cx="885922" cy="173688"/>
+              </a:xfrm>
+            </p:grpSpPr>
+            <p:sp>
+              <p:nvSpPr>
+                <p:cNvPr id="14" name="正方形/長方形 13">
+                  <a:extLst>
+                    <a:ext uri="{FF2B5EF4-FFF2-40B4-BE49-F238E27FC236}">
+                      <a16:creationId xmlns:a16="http://schemas.microsoft.com/office/drawing/2014/main" id="{827A8205-CF6F-46B3-801B-1D946E0EF6E4}"/>
+                    </a:ext>
+                  </a:extLst>
+                </p:cNvPr>
+                <p:cNvSpPr/>
+                <p:nvPr/>
+              </p:nvSpPr>
+              <p:spPr>
+                <a:xfrm>
+                  <a:off x="2867535" y="1824653"/>
+                  <a:ext cx="198000" cy="173688"/>
+                </a:xfrm>
+                <a:prstGeom prst="rect">
+                  <a:avLst/>
+                </a:prstGeom>
+                <a:solidFill>
+                  <a:schemeClr val="tx1"/>
+                </a:solidFill>
+                <a:ln>
+                  <a:noFill/>
+                </a:ln>
+              </p:spPr>
+              <p:style>
+                <a:lnRef idx="2">
+                  <a:schemeClr val="accent1">
+                    <a:shade val="50000"/>
+                  </a:schemeClr>
+                </a:lnRef>
+                <a:fillRef idx="1">
+                  <a:schemeClr val="accent1"/>
+                </a:fillRef>
+                <a:effectRef idx="0">
+                  <a:schemeClr val="accent1"/>
+                </a:effectRef>
+                <a:fontRef idx="minor">
+                  <a:schemeClr val="lt1"/>
+                </a:fontRef>
+              </p:style>
+              <p:txBody>
+                <a:bodyPr rtlCol="0" anchor="ctr"/>
+                <a:lstStyle/>
+                <a:p>
+                  <a:pPr algn="ctr"/>
+                  <a:endParaRPr kumimoji="1" lang="ja-JP" altLang="en-US"/>
+                </a:p>
+              </p:txBody>
+            </p:sp>
+            <p:sp>
+              <p:nvSpPr>
+                <p:cNvPr id="15" name="正方形/長方形 14">
+                  <a:extLst>
+                    <a:ext uri="{FF2B5EF4-FFF2-40B4-BE49-F238E27FC236}">
+                      <a16:creationId xmlns:a16="http://schemas.microsoft.com/office/drawing/2014/main" id="{1949376D-0A0D-452B-A0CD-4B2EA01F6006}"/>
+                    </a:ext>
+                  </a:extLst>
+                </p:cNvPr>
+                <p:cNvSpPr/>
+                <p:nvPr/>
+              </p:nvSpPr>
+              <p:spPr>
+                <a:xfrm>
+                  <a:off x="3096842" y="1824653"/>
+                  <a:ext cx="198000" cy="173688"/>
+                </a:xfrm>
+                <a:prstGeom prst="rect">
+                  <a:avLst/>
+                </a:prstGeom>
+                <a:solidFill>
+                  <a:schemeClr val="tx1"/>
+                </a:solidFill>
+                <a:ln>
+                  <a:noFill/>
+                </a:ln>
+              </p:spPr>
+              <p:style>
+                <a:lnRef idx="2">
+                  <a:schemeClr val="accent1">
+                    <a:shade val="50000"/>
+                  </a:schemeClr>
+                </a:lnRef>
+                <a:fillRef idx="1">
+                  <a:schemeClr val="accent1"/>
+                </a:fillRef>
+                <a:effectRef idx="0">
+                  <a:schemeClr val="accent1"/>
+                </a:effectRef>
+                <a:fontRef idx="minor">
+                  <a:schemeClr val="lt1"/>
+                </a:fontRef>
+              </p:style>
+              <p:txBody>
+                <a:bodyPr rtlCol="0" anchor="ctr"/>
+                <a:lstStyle/>
+                <a:p>
+                  <a:pPr algn="ctr"/>
+                  <a:endParaRPr kumimoji="1" lang="ja-JP" altLang="en-US"/>
+                </a:p>
+              </p:txBody>
+            </p:sp>
+            <p:sp>
+              <p:nvSpPr>
+                <p:cNvPr id="16" name="正方形/長方形 15">
+                  <a:extLst>
+                    <a:ext uri="{FF2B5EF4-FFF2-40B4-BE49-F238E27FC236}">
+                      <a16:creationId xmlns:a16="http://schemas.microsoft.com/office/drawing/2014/main" id="{484B1A2D-69C2-4AA3-B9FA-15A391D0E400}"/>
+                    </a:ext>
+                  </a:extLst>
+                </p:cNvPr>
+                <p:cNvSpPr/>
+                <p:nvPr/>
+              </p:nvSpPr>
+              <p:spPr>
+                <a:xfrm>
+                  <a:off x="3326149" y="1824653"/>
+                  <a:ext cx="198000" cy="173688"/>
+                </a:xfrm>
+                <a:prstGeom prst="rect">
+                  <a:avLst/>
+                </a:prstGeom>
+                <a:solidFill>
+                  <a:schemeClr val="tx1"/>
+                </a:solidFill>
+                <a:ln>
+                  <a:noFill/>
+                </a:ln>
+              </p:spPr>
+              <p:style>
+                <a:lnRef idx="2">
+                  <a:schemeClr val="accent1">
+                    <a:shade val="50000"/>
+                  </a:schemeClr>
+                </a:lnRef>
+                <a:fillRef idx="1">
+                  <a:schemeClr val="accent1"/>
+                </a:fillRef>
+                <a:effectRef idx="0">
+                  <a:schemeClr val="accent1"/>
+                </a:effectRef>
+                <a:fontRef idx="minor">
+                  <a:schemeClr val="lt1"/>
+                </a:fontRef>
+              </p:style>
+              <p:txBody>
+                <a:bodyPr rtlCol="0" anchor="ctr"/>
+                <a:lstStyle/>
+                <a:p>
+                  <a:pPr algn="ctr"/>
+                  <a:endParaRPr kumimoji="1" lang="ja-JP" altLang="en-US"/>
+                </a:p>
+              </p:txBody>
+            </p:sp>
+            <p:sp>
+              <p:nvSpPr>
+                <p:cNvPr id="17" name="正方形/長方形 16">
+                  <a:extLst>
+                    <a:ext uri="{FF2B5EF4-FFF2-40B4-BE49-F238E27FC236}">
+                      <a16:creationId xmlns:a16="http://schemas.microsoft.com/office/drawing/2014/main" id="{EC0DCDE2-630F-420F-9699-1E88FFA3AB21}"/>
+                    </a:ext>
+                  </a:extLst>
+                </p:cNvPr>
+                <p:cNvSpPr/>
+                <p:nvPr/>
+              </p:nvSpPr>
+              <p:spPr>
+                <a:xfrm>
+                  <a:off x="3555457" y="1824653"/>
+                  <a:ext cx="198000" cy="173688"/>
+                </a:xfrm>
+                <a:prstGeom prst="rect">
+                  <a:avLst/>
+                </a:prstGeom>
+                <a:solidFill>
+                  <a:schemeClr val="tx1"/>
+                </a:solidFill>
+                <a:ln>
+                  <a:noFill/>
+                </a:ln>
+              </p:spPr>
+              <p:style>
+                <a:lnRef idx="2">
+                  <a:schemeClr val="accent1">
+                    <a:shade val="50000"/>
+                  </a:schemeClr>
+                </a:lnRef>
+                <a:fillRef idx="1">
+                  <a:schemeClr val="accent1"/>
+                </a:fillRef>
+                <a:effectRef idx="0">
+                  <a:schemeClr val="accent1"/>
+                </a:effectRef>
+                <a:fontRef idx="minor">
+                  <a:schemeClr val="lt1"/>
+                </a:fontRef>
+              </p:style>
+              <p:txBody>
+                <a:bodyPr rtlCol="0" anchor="ctr"/>
+                <a:lstStyle/>
+                <a:p>
+                  <a:pPr algn="ctr"/>
+                  <a:endParaRPr kumimoji="1" lang="ja-JP" altLang="en-US"/>
+                </a:p>
+              </p:txBody>
+            </p:sp>
+          </p:grpSp>
+          <p:grpSp>
+            <p:nvGrpSpPr>
+              <p:cNvPr id="9" name="グループ化 8">
+                <a:extLst>
+                  <a:ext uri="{FF2B5EF4-FFF2-40B4-BE49-F238E27FC236}">
+                    <a16:creationId xmlns:a16="http://schemas.microsoft.com/office/drawing/2014/main" id="{FCEC1630-4D95-4C5E-9375-0FA19DFF3ADE}"/>
+                  </a:ext>
+                </a:extLst>
+              </p:cNvPr>
+              <p:cNvGrpSpPr/>
+              <p:nvPr/>
+            </p:nvGrpSpPr>
+            <p:grpSpPr>
+              <a:xfrm>
+                <a:off x="2867535" y="2018590"/>
+                <a:ext cx="885922" cy="173688"/>
+                <a:chOff x="2867535" y="1824653"/>
+                <a:chExt cx="885922" cy="173688"/>
+              </a:xfrm>
+            </p:grpSpPr>
+            <p:sp>
+              <p:nvSpPr>
+                <p:cNvPr id="10" name="正方形/長方形 9">
+                  <a:extLst>
+                    <a:ext uri="{FF2B5EF4-FFF2-40B4-BE49-F238E27FC236}">
+                      <a16:creationId xmlns:a16="http://schemas.microsoft.com/office/drawing/2014/main" id="{04E72BB9-FF61-487D-BEB8-B3648A81012D}"/>
+                    </a:ext>
+                  </a:extLst>
+                </p:cNvPr>
+                <p:cNvSpPr/>
+                <p:nvPr/>
+              </p:nvSpPr>
+              <p:spPr>
+                <a:xfrm>
+                  <a:off x="2867535" y="1824653"/>
+                  <a:ext cx="198000" cy="173688"/>
+                </a:xfrm>
+                <a:prstGeom prst="rect">
+                  <a:avLst/>
+                </a:prstGeom>
+                <a:solidFill>
+                  <a:schemeClr val="tx1"/>
+                </a:solidFill>
+                <a:ln>
+                  <a:noFill/>
+                </a:ln>
+              </p:spPr>
+              <p:style>
+                <a:lnRef idx="2">
+                  <a:schemeClr val="accent1">
+                    <a:shade val="50000"/>
+                  </a:schemeClr>
+                </a:lnRef>
+                <a:fillRef idx="1">
+                  <a:schemeClr val="accent1"/>
+                </a:fillRef>
+                <a:effectRef idx="0">
+                  <a:schemeClr val="accent1"/>
+                </a:effectRef>
+                <a:fontRef idx="minor">
+                  <a:schemeClr val="lt1"/>
+                </a:fontRef>
+              </p:style>
+              <p:txBody>
+                <a:bodyPr rtlCol="0" anchor="ctr"/>
+                <a:lstStyle/>
+                <a:p>
+                  <a:pPr algn="ctr"/>
+                  <a:endParaRPr kumimoji="1" lang="ja-JP" altLang="en-US"/>
+                </a:p>
+              </p:txBody>
+            </p:sp>
+            <p:sp>
+              <p:nvSpPr>
+                <p:cNvPr id="11" name="正方形/長方形 10">
+                  <a:extLst>
+                    <a:ext uri="{FF2B5EF4-FFF2-40B4-BE49-F238E27FC236}">
+                      <a16:creationId xmlns:a16="http://schemas.microsoft.com/office/drawing/2014/main" id="{1945F38F-ACA6-4CAA-856E-23C40A224B28}"/>
+                    </a:ext>
+                  </a:extLst>
+                </p:cNvPr>
+                <p:cNvSpPr/>
+                <p:nvPr/>
+              </p:nvSpPr>
+              <p:spPr>
+                <a:xfrm>
+                  <a:off x="3096842" y="1824653"/>
+                  <a:ext cx="198000" cy="173688"/>
+                </a:xfrm>
+                <a:prstGeom prst="rect">
+                  <a:avLst/>
+                </a:prstGeom>
+                <a:solidFill>
+                  <a:schemeClr val="tx1"/>
+                </a:solidFill>
+                <a:ln>
+                  <a:noFill/>
+                </a:ln>
+              </p:spPr>
+              <p:style>
+                <a:lnRef idx="2">
+                  <a:schemeClr val="accent1">
+                    <a:shade val="50000"/>
+                  </a:schemeClr>
+                </a:lnRef>
+                <a:fillRef idx="1">
+                  <a:schemeClr val="accent1"/>
+                </a:fillRef>
+                <a:effectRef idx="0">
+                  <a:schemeClr val="accent1"/>
+                </a:effectRef>
+                <a:fontRef idx="minor">
+                  <a:schemeClr val="lt1"/>
+                </a:fontRef>
+              </p:style>
+              <p:txBody>
+                <a:bodyPr rtlCol="0" anchor="ctr"/>
+                <a:lstStyle/>
+                <a:p>
+                  <a:pPr algn="ctr"/>
+                  <a:endParaRPr kumimoji="1" lang="ja-JP" altLang="en-US"/>
+                </a:p>
+              </p:txBody>
+            </p:sp>
+            <p:sp>
+              <p:nvSpPr>
+                <p:cNvPr id="12" name="正方形/長方形 11">
+                  <a:extLst>
+                    <a:ext uri="{FF2B5EF4-FFF2-40B4-BE49-F238E27FC236}">
+                      <a16:creationId xmlns:a16="http://schemas.microsoft.com/office/drawing/2014/main" id="{51CF4B09-2B0D-4F43-996F-9A6D339DC3DB}"/>
+                    </a:ext>
+                  </a:extLst>
+                </p:cNvPr>
+                <p:cNvSpPr/>
+                <p:nvPr/>
+              </p:nvSpPr>
+              <p:spPr>
+                <a:xfrm>
+                  <a:off x="3326149" y="1824653"/>
+                  <a:ext cx="198000" cy="173688"/>
+                </a:xfrm>
+                <a:prstGeom prst="rect">
+                  <a:avLst/>
+                </a:prstGeom>
+                <a:solidFill>
+                  <a:schemeClr val="tx1"/>
+                </a:solidFill>
+                <a:ln>
+                  <a:noFill/>
+                </a:ln>
+              </p:spPr>
+              <p:style>
+                <a:lnRef idx="2">
+                  <a:schemeClr val="accent1">
+                    <a:shade val="50000"/>
+                  </a:schemeClr>
+                </a:lnRef>
+                <a:fillRef idx="1">
+                  <a:schemeClr val="accent1"/>
+                </a:fillRef>
+                <a:effectRef idx="0">
+                  <a:schemeClr val="accent1"/>
+                </a:effectRef>
+                <a:fontRef idx="minor">
+                  <a:schemeClr val="lt1"/>
+                </a:fontRef>
+              </p:style>
+              <p:txBody>
+                <a:bodyPr rtlCol="0" anchor="ctr"/>
+                <a:lstStyle/>
+                <a:p>
+                  <a:pPr algn="ctr"/>
+                  <a:endParaRPr kumimoji="1" lang="ja-JP" altLang="en-US"/>
+                </a:p>
+              </p:txBody>
+            </p:sp>
+            <p:sp>
+              <p:nvSpPr>
+                <p:cNvPr id="13" name="正方形/長方形 12">
+                  <a:extLst>
+                    <a:ext uri="{FF2B5EF4-FFF2-40B4-BE49-F238E27FC236}">
+                      <a16:creationId xmlns:a16="http://schemas.microsoft.com/office/drawing/2014/main" id="{B8DD1174-4D6E-4E20-A0B4-B6C376FB4C46}"/>
+                    </a:ext>
+                  </a:extLst>
+                </p:cNvPr>
+                <p:cNvSpPr/>
+                <p:nvPr/>
+              </p:nvSpPr>
+              <p:spPr>
+                <a:xfrm>
+                  <a:off x="3555457" y="1824653"/>
+                  <a:ext cx="198000" cy="173688"/>
+                </a:xfrm>
+                <a:prstGeom prst="rect">
+                  <a:avLst/>
+                </a:prstGeom>
+                <a:solidFill>
+                  <a:schemeClr val="tx1"/>
+                </a:solidFill>
+                <a:ln>
+                  <a:noFill/>
+                </a:ln>
+              </p:spPr>
+              <p:style>
+                <a:lnRef idx="2">
+                  <a:schemeClr val="accent1">
+                    <a:shade val="50000"/>
+                  </a:schemeClr>
+                </a:lnRef>
+                <a:fillRef idx="1">
+                  <a:schemeClr val="accent1"/>
+                </a:fillRef>
+                <a:effectRef idx="0">
+                  <a:schemeClr val="accent1"/>
+                </a:effectRef>
+                <a:fontRef idx="minor">
+                  <a:schemeClr val="lt1"/>
+                </a:fontRef>
+              </p:style>
+              <p:txBody>
+                <a:bodyPr rtlCol="0" anchor="ctr"/>
+                <a:lstStyle/>
+                <a:p>
+                  <a:pPr algn="ctr"/>
+                  <a:endParaRPr kumimoji="1" lang="ja-JP" altLang="en-US"/>
+                </a:p>
+              </p:txBody>
+            </p:sp>
+          </p:grpSp>
+        </p:grpSp>
+      </p:grpSp>
+    </p:spTree>
+    <p:extLst>
+      <p:ext uri="{BB962C8B-B14F-4D97-AF65-F5344CB8AC3E}">
+        <p14:creationId xmlns:p14="http://schemas.microsoft.com/office/powerpoint/2010/main" val="2250329450"/>
+      </p:ext>
+    </p:extLst>
+  </p:cSld>
+  <p:clrMapOvr>
+    <a:masterClrMapping/>
+  </p:clrMapOvr>
+</p:sld>
+</file>
+
 <file path=ppt/theme/theme1.xml><?xml version="1.0" encoding="utf-8"?>
 <a:theme xmlns:a="http://schemas.openxmlformats.org/drawingml/2006/main" name="Office テーマ">
   <a:themeElements>
